--- a/190917_워크샵_서울대 - 김윤성.pptx
+++ b/190917_워크샵_서울대 - 김윤성.pptx
@@ -112,7 +112,7 @@
   </p:defaultTextStyle>
   <p:extLst>
     <p:ext uri="{EFAFB233-063F-42B5-8137-9DF3F51BA10A}">
-      <p15:sldGuideLst xmlns:p15="http://schemas.microsoft.com/office/powerpoint/2012/main"/>
+      <p15:sldGuideLst xmlns:p15="http://schemas.microsoft.com/office/powerpoint/2012/main" xmlns=""/>
     </p:ext>
   </p:extLst>
 </p:presentation>
@@ -200,7 +200,7 @@
           <a:p>
             <a:fld id="{96ADBA21-A7E4-4C77-9E02-CBC8F268E40F}" type="datetimeFigureOut">
               <a:rPr lang="ko-KR" altLang="en-US" smtClean="0"/>
-              <a:t>2019-09-10</a:t>
+              <a:t>2019-09-16</a:t>
             </a:fld>
             <a:endParaRPr lang="ko-KR" altLang="en-US"/>
           </a:p>
@@ -692,7 +692,7 @@
           <a:p>
             <a:fld id="{CA35D9CC-C252-4910-91EF-F2702FEF2F51}" type="datetimeFigureOut">
               <a:rPr lang="ko-KR" altLang="en-US" smtClean="0"/>
-              <a:t>2019-09-10</a:t>
+              <a:t>2019-09-16</a:t>
             </a:fld>
             <a:endParaRPr lang="ko-KR" altLang="en-US"/>
           </a:p>
@@ -862,7 +862,7 @@
           <a:p>
             <a:fld id="{CA35D9CC-C252-4910-91EF-F2702FEF2F51}" type="datetimeFigureOut">
               <a:rPr lang="ko-KR" altLang="en-US" smtClean="0"/>
-              <a:t>2019-09-10</a:t>
+              <a:t>2019-09-16</a:t>
             </a:fld>
             <a:endParaRPr lang="ko-KR" altLang="en-US"/>
           </a:p>
@@ -1042,7 +1042,7 @@
           <a:p>
             <a:fld id="{CA35D9CC-C252-4910-91EF-F2702FEF2F51}" type="datetimeFigureOut">
               <a:rPr lang="ko-KR" altLang="en-US" smtClean="0"/>
-              <a:t>2019-09-10</a:t>
+              <a:t>2019-09-16</a:t>
             </a:fld>
             <a:endParaRPr lang="ko-KR" altLang="en-US"/>
           </a:p>
@@ -1295,7 +1295,7 @@
           <a:p>
             <a:fld id="{CA35D9CC-C252-4910-91EF-F2702FEF2F51}" type="datetimeFigureOut">
               <a:rPr lang="ko-KR" altLang="en-US" smtClean="0"/>
-              <a:t>2019-09-10</a:t>
+              <a:t>2019-09-16</a:t>
             </a:fld>
             <a:endParaRPr lang="ko-KR" altLang="en-US"/>
           </a:p>
@@ -1541,7 +1541,7 @@
           <a:p>
             <a:fld id="{CA35D9CC-C252-4910-91EF-F2702FEF2F51}" type="datetimeFigureOut">
               <a:rPr lang="ko-KR" altLang="en-US" smtClean="0"/>
-              <a:t>2019-09-10</a:t>
+              <a:t>2019-09-16</a:t>
             </a:fld>
             <a:endParaRPr lang="ko-KR" altLang="en-US"/>
           </a:p>
@@ -1773,7 +1773,7 @@
           <a:p>
             <a:fld id="{CA35D9CC-C252-4910-91EF-F2702FEF2F51}" type="datetimeFigureOut">
               <a:rPr lang="ko-KR" altLang="en-US" smtClean="0"/>
-              <a:t>2019-09-10</a:t>
+              <a:t>2019-09-16</a:t>
             </a:fld>
             <a:endParaRPr lang="ko-KR" altLang="en-US"/>
           </a:p>
@@ -2140,7 +2140,7 @@
           <a:p>
             <a:fld id="{CA35D9CC-C252-4910-91EF-F2702FEF2F51}" type="datetimeFigureOut">
               <a:rPr lang="ko-KR" altLang="en-US" smtClean="0"/>
-              <a:t>2019-09-10</a:t>
+              <a:t>2019-09-16</a:t>
             </a:fld>
             <a:endParaRPr lang="ko-KR" altLang="en-US"/>
           </a:p>
@@ -2258,7 +2258,7 @@
           <a:p>
             <a:fld id="{CA35D9CC-C252-4910-91EF-F2702FEF2F51}" type="datetimeFigureOut">
               <a:rPr lang="ko-KR" altLang="en-US" smtClean="0"/>
-              <a:t>2019-09-10</a:t>
+              <a:t>2019-09-16</a:t>
             </a:fld>
             <a:endParaRPr lang="ko-KR" altLang="en-US"/>
           </a:p>
@@ -2353,7 +2353,7 @@
           <a:p>
             <a:fld id="{CA35D9CC-C252-4910-91EF-F2702FEF2F51}" type="datetimeFigureOut">
               <a:rPr lang="ko-KR" altLang="en-US" smtClean="0"/>
-              <a:t>2019-09-10</a:t>
+              <a:t>2019-09-16</a:t>
             </a:fld>
             <a:endParaRPr lang="ko-KR" altLang="en-US"/>
           </a:p>
@@ -2630,7 +2630,7 @@
           <a:p>
             <a:fld id="{CA35D9CC-C252-4910-91EF-F2702FEF2F51}" type="datetimeFigureOut">
               <a:rPr lang="ko-KR" altLang="en-US" smtClean="0"/>
-              <a:t>2019-09-10</a:t>
+              <a:t>2019-09-16</a:t>
             </a:fld>
             <a:endParaRPr lang="ko-KR" altLang="en-US"/>
           </a:p>
@@ -2883,7 +2883,7 @@
           <a:p>
             <a:fld id="{CA35D9CC-C252-4910-91EF-F2702FEF2F51}" type="datetimeFigureOut">
               <a:rPr lang="ko-KR" altLang="en-US" smtClean="0"/>
-              <a:t>2019-09-10</a:t>
+              <a:t>2019-09-16</a:t>
             </a:fld>
             <a:endParaRPr lang="ko-KR" altLang="en-US"/>
           </a:p>
@@ -3096,7 +3096,7 @@
           <a:p>
             <a:fld id="{CA35D9CC-C252-4910-91EF-F2702FEF2F51}" type="datetimeFigureOut">
               <a:rPr lang="ko-KR" altLang="en-US" smtClean="0"/>
-              <a:t>2019-09-10</a:t>
+              <a:t>2019-09-16</a:t>
             </a:fld>
             <a:endParaRPr lang="ko-KR" altLang="en-US"/>
           </a:p>
@@ -3507,7 +3507,7 @@
           <p:cNvPr id="2" name="슬라이드 번호 개체 틀 1">
             <a:extLst>
               <a:ext uri="{FF2B5EF4-FFF2-40B4-BE49-F238E27FC236}">
-                <a16:creationId xmlns:a16="http://schemas.microsoft.com/office/drawing/2014/main" id="{415271E9-CBDB-416B-850F-6492E232F71D}"/>
+                <a16:creationId xmlns:a16="http://schemas.microsoft.com/office/drawing/2014/main" xmlns="" id="{415271E9-CBDB-416B-850F-6492E232F71D}"/>
               </a:ext>
             </a:extLst>
           </p:cNvPr>
@@ -3547,7 +3547,7 @@
           <p:cNvPr id="21" name="Rectangle 3">
             <a:extLst>
               <a:ext uri="{FF2B5EF4-FFF2-40B4-BE49-F238E27FC236}">
-                <a16:creationId xmlns:a16="http://schemas.microsoft.com/office/drawing/2014/main" id="{D41C3FB3-0212-4559-B5BE-95F76B740E99}"/>
+                <a16:creationId xmlns:a16="http://schemas.microsoft.com/office/drawing/2014/main" xmlns="" id="{D41C3FB3-0212-4559-B5BE-95F76B740E99}"/>
               </a:ext>
             </a:extLst>
           </p:cNvPr>
@@ -3672,11 +3672,7 @@
             </a:r>
             <a:r>
               <a:rPr lang="en-US" altLang="ko-KR" dirty="0" smtClean="0"/>
-              <a:t> </a:t>
-            </a:r>
-            <a:r>
-              <a:rPr lang="en-US" altLang="ko-KR" dirty="0" smtClean="0"/>
-              <a:t>package</a:t>
+              <a:t> package</a:t>
             </a:r>
             <a:r>
               <a:rPr lang="ko-KR" altLang="en-US" dirty="0" smtClean="0"/>
@@ -3706,11 +3702,7 @@
             </a:r>
             <a:r>
               <a:rPr lang="ko-KR" altLang="en-US" dirty="0" smtClean="0"/>
-              <a:t>수작업으로 </a:t>
-            </a:r>
-            <a:r>
-              <a:rPr lang="ko-KR" altLang="en-US" dirty="0" smtClean="0"/>
-              <a:t>찍음</a:t>
+              <a:t>수작업으로 찍음</a:t>
             </a:r>
             <a:endParaRPr lang="en-US" altLang="ko-KR" dirty="0" smtClean="0"/>
           </a:p>
@@ -3794,11 +3786,7 @@
             </a:r>
             <a:r>
               <a:rPr lang="en-US" altLang="ko-KR" dirty="0" smtClean="0"/>
-              <a:t> </a:t>
-            </a:r>
-            <a:r>
-              <a:rPr lang="en-US" altLang="ko-KR" dirty="0" smtClean="0"/>
-              <a:t>package</a:t>
+              <a:t> package</a:t>
             </a:r>
             <a:r>
               <a:rPr lang="ko-KR" altLang="en-US" dirty="0" smtClean="0"/>
@@ -3813,7 +3801,7 @@
           <p:cNvPr id="72" name="Rectangle 2">
             <a:extLst>
               <a:ext uri="{FF2B5EF4-FFF2-40B4-BE49-F238E27FC236}">
-                <a16:creationId xmlns:a16="http://schemas.microsoft.com/office/drawing/2014/main" id="{69120177-E003-425C-B432-769F8B6F80F4}"/>
+                <a16:creationId xmlns:a16="http://schemas.microsoft.com/office/drawing/2014/main" xmlns="" id="{69120177-E003-425C-B432-769F8B6F80F4}"/>
               </a:ext>
             </a:extLst>
           </p:cNvPr>
@@ -4594,7 +4582,7 @@
           <p:cNvPr id="19" name="Rectangle 3">
             <a:extLst>
               <a:ext uri="{FF2B5EF4-FFF2-40B4-BE49-F238E27FC236}">
-                <a16:creationId xmlns:a16="http://schemas.microsoft.com/office/drawing/2014/main" id="{D41C3FB3-0212-4559-B5BE-95F76B740E99}"/>
+                <a16:creationId xmlns:a16="http://schemas.microsoft.com/office/drawing/2014/main" xmlns="" id="{D41C3FB3-0212-4559-B5BE-95F76B740E99}"/>
               </a:ext>
             </a:extLst>
           </p:cNvPr>
@@ -4672,128 +4660,184 @@
           <a:chExt cx="0" cy="0"/>
         </a:xfrm>
       </p:grpSpPr>
-      <p:pic>
-        <p:nvPicPr>
-          <p:cNvPr id="3" name="그림 2"/>
-          <p:cNvPicPr>
-            <a:picLocks noChangeAspect="1"/>
-          </p:cNvPicPr>
-          <p:nvPr/>
-        </p:nvPicPr>
-        <p:blipFill rotWithShape="1">
-          <a:blip r:embed="rId2">
-            <a:extLst>
-              <a:ext uri="{28A0092B-C50C-407E-A947-70E740481C1C}">
-                <a14:useLocalDpi xmlns:a14="http://schemas.microsoft.com/office/drawing/2010/main" val="0"/>
-              </a:ext>
-            </a:extLst>
-          </a:blip>
-          <a:srcRect l="26380" t="28364" r="34144" b="38061"/>
-          <a:stretch/>
-        </p:blipFill>
-        <p:spPr>
-          <a:xfrm>
-            <a:off x="1944652" y="2178006"/>
-            <a:ext cx="2028305" cy="2302626"/>
-          </a:xfrm>
-          <a:prstGeom prst="rect">
-            <a:avLst/>
-          </a:prstGeom>
-        </p:spPr>
-      </p:pic>
-      <p:pic>
-        <p:nvPicPr>
-          <p:cNvPr id="4" name="그림 3"/>
-          <p:cNvPicPr>
-            <a:picLocks noChangeAspect="1"/>
-          </p:cNvPicPr>
-          <p:nvPr/>
-        </p:nvPicPr>
-        <p:blipFill rotWithShape="1">
-          <a:blip r:embed="rId3">
-            <a:extLst>
-              <a:ext uri="{28A0092B-C50C-407E-A947-70E740481C1C}">
-                <a14:useLocalDpi xmlns:a14="http://schemas.microsoft.com/office/drawing/2010/main" val="0"/>
-              </a:ext>
-            </a:extLst>
-          </a:blip>
-          <a:srcRect l="28799" t="43268" r="34314" b="28366"/>
-          <a:stretch/>
-        </p:blipFill>
-        <p:spPr>
-          <a:xfrm>
-            <a:off x="6462766" y="2356638"/>
-            <a:ext cx="1895302" cy="1945363"/>
-          </a:xfrm>
-          <a:prstGeom prst="rect">
-            <a:avLst/>
-          </a:prstGeom>
-        </p:spPr>
-      </p:pic>
-      <p:pic>
-        <p:nvPicPr>
-          <p:cNvPr id="5" name="그림 4"/>
-          <p:cNvPicPr>
-            <a:picLocks noChangeAspect="1"/>
-          </p:cNvPicPr>
-          <p:nvPr/>
-        </p:nvPicPr>
-        <p:blipFill rotWithShape="1">
-          <a:blip r:embed="rId4">
-            <a:extLst>
-              <a:ext uri="{28A0092B-C50C-407E-A947-70E740481C1C}">
-                <a14:useLocalDpi xmlns:a14="http://schemas.microsoft.com/office/drawing/2010/main" val="0"/>
-              </a:ext>
-            </a:extLst>
-          </a:blip>
-          <a:srcRect l="29439" t="35626" r="27527" b="29466"/>
-          <a:stretch/>
-        </p:blipFill>
-        <p:spPr>
-          <a:xfrm>
-            <a:off x="4112269" y="2132287"/>
-            <a:ext cx="2211185" cy="2394065"/>
-          </a:xfrm>
-          <a:prstGeom prst="rect">
-            <a:avLst/>
-          </a:prstGeom>
-        </p:spPr>
-      </p:pic>
-      <p:pic>
-        <p:nvPicPr>
-          <p:cNvPr id="6" name="그림 5"/>
-          <p:cNvPicPr>
-            <a:picLocks noChangeAspect="1"/>
-          </p:cNvPicPr>
-          <p:nvPr/>
-        </p:nvPicPr>
-        <p:blipFill rotWithShape="1">
-          <a:blip r:embed="rId5">
-            <a:extLst>
-              <a:ext uri="{28A0092B-C50C-407E-A947-70E740481C1C}">
-                <a14:useLocalDpi xmlns:a14="http://schemas.microsoft.com/office/drawing/2010/main" val="0"/>
-              </a:ext>
-            </a:extLst>
-          </a:blip>
-          <a:srcRect l="37710" t="26893" r="24579" b="44622"/>
-          <a:stretch/>
-        </p:blipFill>
-        <p:spPr>
-          <a:xfrm>
-            <a:off x="8497380" y="2352573"/>
-            <a:ext cx="1937627" cy="1953492"/>
-          </a:xfrm>
-          <a:prstGeom prst="rect">
-            <a:avLst/>
-          </a:prstGeom>
-        </p:spPr>
-      </p:pic>
+      <p:graphicFrame>
+        <p:nvGraphicFramePr>
+          <p:cNvPr id="24" name="표 23"/>
+          <p:cNvGraphicFramePr>
+            <a:graphicFrameLocks noGrp="1"/>
+          </p:cNvGraphicFramePr>
+          <p:nvPr>
+            <p:extLst>
+              <p:ext uri="{D42A27DB-BD31-4B8C-83A1-F6EECF244321}">
+                <p14:modId xmlns:p14="http://schemas.microsoft.com/office/powerpoint/2010/main" val="804554465"/>
+              </p:ext>
+            </p:extLst>
+          </p:nvPr>
+        </p:nvGraphicFramePr>
+        <p:xfrm>
+          <a:off x="1419622" y="1096858"/>
+          <a:ext cx="10407268" cy="5644968"/>
+        </p:xfrm>
+        <a:graphic>
+          <a:graphicData uri="http://schemas.openxmlformats.org/drawingml/2006/table">
+            <a:tbl>
+              <a:tblPr firstRow="1" bandRow="1">
+                <a:tableStyleId>{D7AC3CCA-C797-4891-BE02-D94E43425B78}</a:tableStyleId>
+              </a:tblPr>
+              <a:tblGrid>
+                <a:gridCol w="3383033"/>
+                <a:gridCol w="1820601"/>
+                <a:gridCol w="1932514"/>
+                <a:gridCol w="3271120"/>
+              </a:tblGrid>
+              <a:tr h="1881656">
+                <a:tc>
+                  <a:txBody>
+                    <a:bodyPr/>
+                    <a:lstStyle/>
+                    <a:p>
+                      <a:pPr latinLnBrk="1"/>
+                      <a:endParaRPr lang="ko-KR" altLang="en-US" dirty="0"/>
+                    </a:p>
+                  </a:txBody>
+                  <a:tcPr/>
+                </a:tc>
+                <a:tc gridSpan="2">
+                  <a:txBody>
+                    <a:bodyPr/>
+                    <a:lstStyle/>
+                    <a:p>
+                      <a:pPr latinLnBrk="1"/>
+                      <a:endParaRPr lang="ko-KR" altLang="en-US" dirty="0"/>
+                    </a:p>
+                  </a:txBody>
+                  <a:tcPr/>
+                </a:tc>
+                <a:tc hMerge="1">
+                  <a:txBody>
+                    <a:bodyPr/>
+                    <a:lstStyle/>
+                    <a:p>
+                      <a:pPr latinLnBrk="1"/>
+                      <a:endParaRPr lang="ko-KR" altLang="en-US" dirty="0"/>
+                    </a:p>
+                  </a:txBody>
+                  <a:tcPr/>
+                </a:tc>
+                <a:tc>
+                  <a:txBody>
+                    <a:bodyPr/>
+                    <a:lstStyle/>
+                    <a:p>
+                      <a:pPr latinLnBrk="1"/>
+                      <a:endParaRPr lang="ko-KR" altLang="en-US" dirty="0"/>
+                    </a:p>
+                  </a:txBody>
+                  <a:tcPr/>
+                </a:tc>
+              </a:tr>
+              <a:tr h="1881656">
+                <a:tc gridSpan="2">
+                  <a:txBody>
+                    <a:bodyPr/>
+                    <a:lstStyle/>
+                    <a:p>
+                      <a:pPr latinLnBrk="1"/>
+                      <a:endParaRPr lang="ko-KR" altLang="en-US" dirty="0"/>
+                    </a:p>
+                  </a:txBody>
+                  <a:tcPr/>
+                </a:tc>
+                <a:tc hMerge="1">
+                  <a:txBody>
+                    <a:bodyPr/>
+                    <a:lstStyle/>
+                    <a:p>
+                      <a:pPr latinLnBrk="1"/>
+                      <a:endParaRPr lang="ko-KR" altLang="en-US" dirty="0"/>
+                    </a:p>
+                  </a:txBody>
+                  <a:tcPr/>
+                </a:tc>
+                <a:tc gridSpan="2">
+                  <a:txBody>
+                    <a:bodyPr/>
+                    <a:lstStyle/>
+                    <a:p>
+                      <a:pPr latinLnBrk="1"/>
+                      <a:endParaRPr lang="ko-KR" altLang="en-US" dirty="0"/>
+                    </a:p>
+                  </a:txBody>
+                  <a:tcPr/>
+                </a:tc>
+                <a:tc hMerge="1">
+                  <a:txBody>
+                    <a:bodyPr/>
+                    <a:lstStyle/>
+                    <a:p>
+                      <a:pPr latinLnBrk="1"/>
+                      <a:endParaRPr lang="ko-KR" altLang="en-US" dirty="0"/>
+                    </a:p>
+                  </a:txBody>
+                  <a:tcPr/>
+                </a:tc>
+              </a:tr>
+              <a:tr h="1881656">
+                <a:tc gridSpan="2">
+                  <a:txBody>
+                    <a:bodyPr/>
+                    <a:lstStyle/>
+                    <a:p>
+                      <a:pPr latinLnBrk="1"/>
+                      <a:endParaRPr lang="ko-KR" altLang="en-US" dirty="0"/>
+                    </a:p>
+                  </a:txBody>
+                  <a:tcPr/>
+                </a:tc>
+                <a:tc hMerge="1">
+                  <a:txBody>
+                    <a:bodyPr/>
+                    <a:lstStyle/>
+                    <a:p>
+                      <a:pPr latinLnBrk="1"/>
+                      <a:endParaRPr lang="ko-KR" altLang="en-US" dirty="0"/>
+                    </a:p>
+                  </a:txBody>
+                  <a:tcPr/>
+                </a:tc>
+                <a:tc gridSpan="2">
+                  <a:txBody>
+                    <a:bodyPr/>
+                    <a:lstStyle/>
+                    <a:p>
+                      <a:pPr latinLnBrk="1"/>
+                      <a:endParaRPr lang="ko-KR" altLang="en-US" dirty="0"/>
+                    </a:p>
+                  </a:txBody>
+                  <a:tcPr/>
+                </a:tc>
+                <a:tc hMerge="1">
+                  <a:txBody>
+                    <a:bodyPr/>
+                    <a:lstStyle/>
+                    <a:p>
+                      <a:pPr latinLnBrk="1"/>
+                      <a:endParaRPr lang="ko-KR" altLang="en-US" dirty="0"/>
+                    </a:p>
+                  </a:txBody>
+                  <a:tcPr/>
+                </a:tc>
+              </a:tr>
+            </a:tbl>
+          </a:graphicData>
+        </a:graphic>
+      </p:graphicFrame>
       <p:sp>
         <p:nvSpPr>
           <p:cNvPr id="7" name="Rectangle 3">
             <a:extLst>
               <a:ext uri="{FF2B5EF4-FFF2-40B4-BE49-F238E27FC236}">
-                <a16:creationId xmlns:a16="http://schemas.microsoft.com/office/drawing/2014/main" id="{D41C3FB3-0212-4559-B5BE-95F76B740E99}"/>
+                <a16:creationId xmlns:a16="http://schemas.microsoft.com/office/drawing/2014/main" xmlns="" id="{D41C3FB3-0212-4559-B5BE-95F76B740E99}"/>
               </a:ext>
             </a:extLst>
           </p:cNvPr>
@@ -4841,6 +4885,470 @@
           </a:p>
         </p:txBody>
       </p:sp>
+      <p:pic>
+        <p:nvPicPr>
+          <p:cNvPr id="2" name="그림 1"/>
+          <p:cNvPicPr>
+            <a:picLocks noChangeAspect="1"/>
+          </p:cNvPicPr>
+          <p:nvPr/>
+        </p:nvPicPr>
+        <p:blipFill rotWithShape="1">
+          <a:blip r:embed="rId2" cstate="print">
+            <a:extLst>
+              <a:ext uri="{28A0092B-C50C-407E-A947-70E740481C1C}">
+                <a14:useLocalDpi xmlns:a14="http://schemas.microsoft.com/office/drawing/2010/main" val="0"/>
+              </a:ext>
+            </a:extLst>
+          </a:blip>
+          <a:srcRect l="21088" t="24264" r="28734" b="34444"/>
+          <a:stretch/>
+        </p:blipFill>
+        <p:spPr>
+          <a:xfrm>
+            <a:off x="9634107" y="5169337"/>
+            <a:ext cx="1162050" cy="1276350"/>
+          </a:xfrm>
+          <a:prstGeom prst="rect">
+            <a:avLst/>
+          </a:prstGeom>
+        </p:spPr>
+      </p:pic>
+      <p:pic>
+        <p:nvPicPr>
+          <p:cNvPr id="8" name="그림 7"/>
+          <p:cNvPicPr>
+            <a:picLocks noChangeAspect="1"/>
+          </p:cNvPicPr>
+          <p:nvPr/>
+        </p:nvPicPr>
+        <p:blipFill rotWithShape="1">
+          <a:blip r:embed="rId3" cstate="print">
+            <a:extLst>
+              <a:ext uri="{28A0092B-C50C-407E-A947-70E740481C1C}">
+                <a14:useLocalDpi xmlns:a14="http://schemas.microsoft.com/office/drawing/2010/main" val="0"/>
+              </a:ext>
+            </a:extLst>
+          </a:blip>
+          <a:srcRect l="22837" t="30587" r="32179" b="28122"/>
+          <a:stretch/>
+        </p:blipFill>
+        <p:spPr>
+          <a:xfrm>
+            <a:off x="7890761" y="5169337"/>
+            <a:ext cx="1041755" cy="1276350"/>
+          </a:xfrm>
+          <a:prstGeom prst="rect">
+            <a:avLst/>
+          </a:prstGeom>
+        </p:spPr>
+      </p:pic>
+      <p:pic>
+        <p:nvPicPr>
+          <p:cNvPr id="9" name="그림 8"/>
+          <p:cNvPicPr>
+            <a:picLocks noChangeAspect="1"/>
+          </p:cNvPicPr>
+          <p:nvPr/>
+        </p:nvPicPr>
+        <p:blipFill rotWithShape="1">
+          <a:blip r:embed="rId4" cstate="print">
+            <a:extLst>
+              <a:ext uri="{28A0092B-C50C-407E-A947-70E740481C1C}">
+                <a14:useLocalDpi xmlns:a14="http://schemas.microsoft.com/office/drawing/2010/main" val="0"/>
+              </a:ext>
+            </a:extLst>
+          </a:blip>
+          <a:srcRect l="17976" t="36753" r="24443" b="19411"/>
+          <a:stretch/>
+        </p:blipFill>
+        <p:spPr>
+          <a:xfrm>
+            <a:off x="1690362" y="1354292"/>
+            <a:ext cx="1333500" cy="1355006"/>
+          </a:xfrm>
+          <a:prstGeom prst="rect">
+            <a:avLst/>
+          </a:prstGeom>
+        </p:spPr>
+      </p:pic>
+      <p:pic>
+        <p:nvPicPr>
+          <p:cNvPr id="10" name="그림 9"/>
+          <p:cNvPicPr>
+            <a:picLocks noChangeAspect="1"/>
+          </p:cNvPicPr>
+          <p:nvPr/>
+        </p:nvPicPr>
+        <p:blipFill rotWithShape="1">
+          <a:blip r:embed="rId5" cstate="print">
+            <a:extLst>
+              <a:ext uri="{28A0092B-C50C-407E-A947-70E740481C1C}">
+                <a14:useLocalDpi xmlns:a14="http://schemas.microsoft.com/office/drawing/2010/main" val="0"/>
+              </a:ext>
+            </a:extLst>
+          </a:blip>
+          <a:srcRect l="23356" t="28522" r="25233" b="28280"/>
+          <a:stretch/>
+        </p:blipFill>
+        <p:spPr>
+          <a:xfrm>
+            <a:off x="3352901" y="1354292"/>
+            <a:ext cx="1190625" cy="1335257"/>
+          </a:xfrm>
+          <a:prstGeom prst="rect">
+            <a:avLst/>
+          </a:prstGeom>
+        </p:spPr>
+      </p:pic>
+      <p:pic>
+        <p:nvPicPr>
+          <p:cNvPr id="11" name="그림 10"/>
+          <p:cNvPicPr>
+            <a:picLocks noChangeAspect="1"/>
+          </p:cNvPicPr>
+          <p:nvPr/>
+        </p:nvPicPr>
+        <p:blipFill rotWithShape="1">
+          <a:blip r:embed="rId6" cstate="print">
+            <a:extLst>
+              <a:ext uri="{28A0092B-C50C-407E-A947-70E740481C1C}">
+                <a14:useLocalDpi xmlns:a14="http://schemas.microsoft.com/office/drawing/2010/main" val="0"/>
+              </a:ext>
+            </a:extLst>
+          </a:blip>
+          <a:srcRect l="19431" t="35441" r="32591" b="24977"/>
+          <a:stretch/>
+        </p:blipFill>
+        <p:spPr>
+          <a:xfrm>
+            <a:off x="4319411" y="5169337"/>
+            <a:ext cx="1111097" cy="1223486"/>
+          </a:xfrm>
+          <a:prstGeom prst="rect">
+            <a:avLst/>
+          </a:prstGeom>
+        </p:spPr>
+      </p:pic>
+      <p:pic>
+        <p:nvPicPr>
+          <p:cNvPr id="12" name="그림 11"/>
+          <p:cNvPicPr>
+            <a:picLocks noChangeAspect="1"/>
+          </p:cNvPicPr>
+          <p:nvPr/>
+        </p:nvPicPr>
+        <p:blipFill rotWithShape="1">
+          <a:blip r:embed="rId7" cstate="print">
+            <a:extLst>
+              <a:ext uri="{28A0092B-C50C-407E-A947-70E740481C1C}">
+                <a14:useLocalDpi xmlns:a14="http://schemas.microsoft.com/office/drawing/2010/main" val="0"/>
+              </a:ext>
+            </a:extLst>
+          </a:blip>
+          <a:srcRect l="29413" t="29049" r="21734" b="31370"/>
+          <a:stretch/>
+        </p:blipFill>
+        <p:spPr>
+          <a:xfrm>
+            <a:off x="2646566" y="5169337"/>
+            <a:ext cx="1131358" cy="1223486"/>
+          </a:xfrm>
+          <a:prstGeom prst="rect">
+            <a:avLst/>
+          </a:prstGeom>
+        </p:spPr>
+      </p:pic>
+      <p:pic>
+        <p:nvPicPr>
+          <p:cNvPr id="13" name="그림 12"/>
+          <p:cNvPicPr>
+            <a:picLocks noChangeAspect="1"/>
+          </p:cNvPicPr>
+          <p:nvPr/>
+        </p:nvPicPr>
+        <p:blipFill rotWithShape="1">
+          <a:blip r:embed="rId8" cstate="print">
+            <a:extLst>
+              <a:ext uri="{28A0092B-C50C-407E-A947-70E740481C1C}">
+                <a14:useLocalDpi xmlns:a14="http://schemas.microsoft.com/office/drawing/2010/main" val="0"/>
+              </a:ext>
+            </a:extLst>
+          </a:blip>
+          <a:srcRect l="17615" t="36914" r="29346" b="19411"/>
+          <a:stretch/>
+        </p:blipFill>
+        <p:spPr>
+          <a:xfrm>
+            <a:off x="10157982" y="3248637"/>
+            <a:ext cx="1228329" cy="1349998"/>
+          </a:xfrm>
+          <a:prstGeom prst="rect">
+            <a:avLst/>
+          </a:prstGeom>
+        </p:spPr>
+      </p:pic>
+      <p:pic>
+        <p:nvPicPr>
+          <p:cNvPr id="14" name="그림 13"/>
+          <p:cNvPicPr>
+            <a:picLocks noChangeAspect="1"/>
+          </p:cNvPicPr>
+          <p:nvPr/>
+        </p:nvPicPr>
+        <p:blipFill rotWithShape="1">
+          <a:blip r:embed="rId9" cstate="print">
+            <a:extLst>
+              <a:ext uri="{28A0092B-C50C-407E-A947-70E740481C1C}">
+                <a14:useLocalDpi xmlns:a14="http://schemas.microsoft.com/office/drawing/2010/main" val="0"/>
+              </a:ext>
+            </a:extLst>
+          </a:blip>
+          <a:srcRect l="25908" t="27209" r="28631" b="29116"/>
+          <a:stretch/>
+        </p:blipFill>
+        <p:spPr>
+          <a:xfrm>
+            <a:off x="7127257" y="3248640"/>
+            <a:ext cx="1052815" cy="1349998"/>
+          </a:xfrm>
+          <a:prstGeom prst="rect">
+            <a:avLst/>
+          </a:prstGeom>
+        </p:spPr>
+      </p:pic>
+      <p:pic>
+        <p:nvPicPr>
+          <p:cNvPr id="15" name="그림 14"/>
+          <p:cNvPicPr>
+            <a:picLocks noChangeAspect="1"/>
+          </p:cNvPicPr>
+          <p:nvPr/>
+        </p:nvPicPr>
+        <p:blipFill rotWithShape="1">
+          <a:blip r:embed="rId10" cstate="print">
+            <a:extLst>
+              <a:ext uri="{28A0092B-C50C-407E-A947-70E740481C1C}">
+                <a14:useLocalDpi xmlns:a14="http://schemas.microsoft.com/office/drawing/2010/main" val="0"/>
+              </a:ext>
+            </a:extLst>
+          </a:blip>
+          <a:srcRect l="24092" t="21921" r="25262" b="34404"/>
+          <a:stretch/>
+        </p:blipFill>
+        <p:spPr>
+          <a:xfrm>
+            <a:off x="8596571" y="3248634"/>
+            <a:ext cx="1172898" cy="1350001"/>
+          </a:xfrm>
+          <a:prstGeom prst="rect">
+            <a:avLst/>
+          </a:prstGeom>
+        </p:spPr>
+      </p:pic>
+      <p:pic>
+        <p:nvPicPr>
+          <p:cNvPr id="16" name="그림 15"/>
+          <p:cNvPicPr>
+            <a:picLocks noChangeAspect="1"/>
+          </p:cNvPicPr>
+          <p:nvPr/>
+        </p:nvPicPr>
+        <p:blipFill rotWithShape="1">
+          <a:blip r:embed="rId11" cstate="print">
+            <a:extLst>
+              <a:ext uri="{28A0092B-C50C-407E-A947-70E740481C1C}">
+                <a14:useLocalDpi xmlns:a14="http://schemas.microsoft.com/office/drawing/2010/main" val="0"/>
+              </a:ext>
+            </a:extLst>
+          </a:blip>
+          <a:srcRect l="22107" t="25854" r="22680" b="31241"/>
+          <a:stretch/>
+        </p:blipFill>
+        <p:spPr>
+          <a:xfrm>
+            <a:off x="10377055" y="1397830"/>
+            <a:ext cx="1278650" cy="1326210"/>
+          </a:xfrm>
+          <a:prstGeom prst="rect">
+            <a:avLst/>
+          </a:prstGeom>
+        </p:spPr>
+      </p:pic>
+      <p:pic>
+        <p:nvPicPr>
+          <p:cNvPr id="17" name="그림 16"/>
+          <p:cNvPicPr>
+            <a:picLocks noChangeAspect="1"/>
+          </p:cNvPicPr>
+          <p:nvPr/>
+        </p:nvPicPr>
+        <p:blipFill rotWithShape="1">
+          <a:blip r:embed="rId12" cstate="print">
+            <a:extLst>
+              <a:ext uri="{28A0092B-C50C-407E-A947-70E740481C1C}">
+                <a14:useLocalDpi xmlns:a14="http://schemas.microsoft.com/office/drawing/2010/main" val="0"/>
+              </a:ext>
+            </a:extLst>
+          </a:blip>
+          <a:srcRect l="29491" t="21882" r="12928" b="34443"/>
+          <a:stretch/>
+        </p:blipFill>
+        <p:spPr>
+          <a:xfrm>
+            <a:off x="8769342" y="1374040"/>
+            <a:ext cx="1333501" cy="1350000"/>
+          </a:xfrm>
+          <a:prstGeom prst="rect">
+            <a:avLst/>
+          </a:prstGeom>
+        </p:spPr>
+      </p:pic>
+      <p:pic>
+        <p:nvPicPr>
+          <p:cNvPr id="18" name="그림 17"/>
+          <p:cNvPicPr>
+            <a:picLocks noChangeAspect="1"/>
+          </p:cNvPicPr>
+          <p:nvPr/>
+        </p:nvPicPr>
+        <p:blipFill rotWithShape="1">
+          <a:blip r:embed="rId13" cstate="print">
+            <a:extLst>
+              <a:ext uri="{28A0092B-C50C-407E-A947-70E740481C1C}">
+                <a14:useLocalDpi xmlns:a14="http://schemas.microsoft.com/office/drawing/2010/main" val="0"/>
+              </a:ext>
+            </a:extLst>
+          </a:blip>
+          <a:srcRect l="18682" t="27209" r="28581" b="29116"/>
+          <a:stretch/>
+        </p:blipFill>
+        <p:spPr>
+          <a:xfrm>
+            <a:off x="5144758" y="3215104"/>
+            <a:ext cx="1221323" cy="1350001"/>
+          </a:xfrm>
+          <a:prstGeom prst="rect">
+            <a:avLst/>
+          </a:prstGeom>
+        </p:spPr>
+      </p:pic>
+      <p:pic>
+        <p:nvPicPr>
+          <p:cNvPr id="19" name="그림 18"/>
+          <p:cNvPicPr>
+            <a:picLocks noChangeAspect="1"/>
+          </p:cNvPicPr>
+          <p:nvPr/>
+        </p:nvPicPr>
+        <p:blipFill rotWithShape="1">
+          <a:blip r:embed="rId14" cstate="print">
+            <a:extLst>
+              <a:ext uri="{28A0092B-C50C-407E-A947-70E740481C1C}">
+                <a14:useLocalDpi xmlns:a14="http://schemas.microsoft.com/office/drawing/2010/main" val="0"/>
+              </a:ext>
+            </a:extLst>
+          </a:blip>
+          <a:srcRect l="28485" t="25736" r="13340" b="30589"/>
+          <a:stretch/>
+        </p:blipFill>
+        <p:spPr>
+          <a:xfrm>
+            <a:off x="3617206" y="3215106"/>
+            <a:ext cx="1347259" cy="1349999"/>
+          </a:xfrm>
+          <a:prstGeom prst="rect">
+            <a:avLst/>
+          </a:prstGeom>
+        </p:spPr>
+      </p:pic>
+      <p:pic>
+        <p:nvPicPr>
+          <p:cNvPr id="20" name="그림 19"/>
+          <p:cNvPicPr>
+            <a:picLocks noChangeAspect="1"/>
+          </p:cNvPicPr>
+          <p:nvPr/>
+        </p:nvPicPr>
+        <p:blipFill rotWithShape="1">
+          <a:blip r:embed="rId15">
+            <a:extLst>
+              <a:ext uri="{28A0092B-C50C-407E-A947-70E740481C1C}">
+                <a14:useLocalDpi xmlns:a14="http://schemas.microsoft.com/office/drawing/2010/main" val="0"/>
+              </a:ext>
+            </a:extLst>
+          </a:blip>
+          <a:srcRect l="20845" t="30589" r="37370" b="25736"/>
+          <a:stretch/>
+        </p:blipFill>
+        <p:spPr>
+          <a:xfrm>
+            <a:off x="1690362" y="3215106"/>
+            <a:ext cx="1719689" cy="1349999"/>
+          </a:xfrm>
+          <a:prstGeom prst="rect">
+            <a:avLst/>
+          </a:prstGeom>
+        </p:spPr>
+      </p:pic>
+      <p:pic>
+        <p:nvPicPr>
+          <p:cNvPr id="21" name="그림 20"/>
+          <p:cNvPicPr>
+            <a:picLocks noChangeAspect="1"/>
+          </p:cNvPicPr>
+          <p:nvPr/>
+        </p:nvPicPr>
+        <p:blipFill rotWithShape="1">
+          <a:blip r:embed="rId16">
+            <a:extLst>
+              <a:ext uri="{28A0092B-C50C-407E-A947-70E740481C1C}">
+                <a14:useLocalDpi xmlns:a14="http://schemas.microsoft.com/office/drawing/2010/main" val="0"/>
+              </a:ext>
+            </a:extLst>
+          </a:blip>
+          <a:srcRect l="22654" t="37195" r="43289" b="19130"/>
+          <a:stretch/>
+        </p:blipFill>
+        <p:spPr>
+          <a:xfrm>
+            <a:off x="6797475" y="1359298"/>
+            <a:ext cx="1401647" cy="1350000"/>
+          </a:xfrm>
+          <a:prstGeom prst="rect">
+            <a:avLst/>
+          </a:prstGeom>
+        </p:spPr>
+      </p:pic>
+      <p:pic>
+        <p:nvPicPr>
+          <p:cNvPr id="22" name="그림 21"/>
+          <p:cNvPicPr>
+            <a:picLocks noChangeAspect="1"/>
+          </p:cNvPicPr>
+          <p:nvPr/>
+        </p:nvPicPr>
+        <p:blipFill rotWithShape="1">
+          <a:blip r:embed="rId17">
+            <a:extLst>
+              <a:ext uri="{28A0092B-C50C-407E-A947-70E740481C1C}">
+                <a14:useLocalDpi xmlns:a14="http://schemas.microsoft.com/office/drawing/2010/main" val="0"/>
+              </a:ext>
+            </a:extLst>
+          </a:blip>
+          <a:srcRect l="20015" t="39942" r="47698" b="16859"/>
+          <a:stretch/>
+        </p:blipFill>
+        <p:spPr>
+          <a:xfrm>
+            <a:off x="5211058" y="1374040"/>
+            <a:ext cx="1328793" cy="1335258"/>
+          </a:xfrm>
+          <a:prstGeom prst="rect">
+            <a:avLst/>
+          </a:prstGeom>
+        </p:spPr>
+      </p:pic>
     </p:spTree>
     <p:extLst>
       <p:ext uri="{BB962C8B-B14F-4D97-AF65-F5344CB8AC3E}">
@@ -4940,7 +5448,7 @@
           <p:cNvPr id="4" name="Rectangle 3">
             <a:extLst>
               <a:ext uri="{FF2B5EF4-FFF2-40B4-BE49-F238E27FC236}">
-                <a16:creationId xmlns:a16="http://schemas.microsoft.com/office/drawing/2014/main" id="{D41C3FB3-0212-4559-B5BE-95F76B740E99}"/>
+                <a16:creationId xmlns:a16="http://schemas.microsoft.com/office/drawing/2014/main" xmlns="" id="{D41C3FB3-0212-4559-B5BE-95F76B740E99}"/>
               </a:ext>
             </a:extLst>
           </p:cNvPr>
@@ -4982,11 +5490,7 @@
             </a:r>
             <a:r>
               <a:rPr lang="ko-KR" altLang="en-US" sz="2000" b="1" dirty="0" smtClean="0"/>
-              <a:t>기준점</a:t>
-            </a:r>
-            <a:r>
-              <a:rPr lang="ko-KR" altLang="en-US" sz="2000" b="1" dirty="0" smtClean="0"/>
-              <a:t> 데이터 편집</a:t>
+              <a:t>기준점 데이터 편집</a:t>
             </a:r>
             <a:endParaRPr lang="en-US" altLang="ko-KR" sz="2000" b="1" dirty="0"/>
           </a:p>
@@ -5048,7 +5552,7 @@
     </a:clrScheme>
     <a:fontScheme name="Office">
       <a:majorFont>
-        <a:latin typeface="맑은 고딕" panose="020F0302020204030204"/>
+        <a:latin typeface="맑은 고딕"/>
         <a:ea typeface=""/>
         <a:cs typeface=""/>
         <a:font script="Jpan" typeface="游ゴシック Light"/>
@@ -5083,7 +5587,7 @@
         <a:font script="Geor" typeface="Sylfaen"/>
       </a:majorFont>
       <a:minorFont>
-        <a:latin typeface="맑은 고딕" panose="020F0502020204030204"/>
+        <a:latin typeface="맑은 고딕"/>
         <a:ea typeface=""/>
         <a:cs typeface=""/>
         <a:font script="Jpan" typeface="游ゴシック"/>
@@ -5260,7 +5764,7 @@
   <a:extraClrSchemeLst/>
   <a:extLst>
     <a:ext uri="{05A4C25C-085E-4340-85A3-A5531E510DB2}">
-      <thm15:themeFamily xmlns:thm15="http://schemas.microsoft.com/office/thememl/2012/main" name="Office Theme" id="{62F939B6-93AF-4DB8-9C6B-D6C7DFDC589F}" vid="{4A3C46E8-61CC-4603-A589-7422A47A8E4A}"/>
+      <thm15:themeFamily xmlns:thm15="http://schemas.microsoft.com/office/thememl/2012/main" xmlns="" name="Office Theme" id="{62F939B6-93AF-4DB8-9C6B-D6C7DFDC589F}" vid="{4A3C46E8-61CC-4603-A589-7422A47A8E4A}"/>
     </a:ext>
   </a:extLst>
 </a:theme>
@@ -5309,7 +5813,7 @@
     </a:clrScheme>
     <a:fontScheme name="Office">
       <a:majorFont>
-        <a:latin typeface="맑은 고딕" panose="020F0302020204030204"/>
+        <a:latin typeface="맑은 고딕"/>
         <a:ea typeface=""/>
         <a:cs typeface=""/>
         <a:font script="Jpan" typeface="游ゴシック Light"/>
@@ -5344,7 +5848,7 @@
         <a:font script="Geor" typeface="Sylfaen"/>
       </a:majorFont>
       <a:minorFont>
-        <a:latin typeface="맑은 고딕" panose="020F0502020204030204"/>
+        <a:latin typeface="맑은 고딕"/>
         <a:ea typeface=""/>
         <a:cs typeface=""/>
         <a:font script="Jpan" typeface="游ゴシック"/>
@@ -5521,7 +6025,7 @@
   <a:extraClrSchemeLst/>
   <a:extLst>
     <a:ext uri="{05A4C25C-085E-4340-85A3-A5531E510DB2}">
-      <thm15:themeFamily xmlns:thm15="http://schemas.microsoft.com/office/thememl/2012/main" name="Office Theme" id="{62F939B6-93AF-4DB8-9C6B-D6C7DFDC589F}" vid="{4A3C46E8-61CC-4603-A589-7422A47A8E4A}"/>
+      <thm15:themeFamily xmlns:thm15="http://schemas.microsoft.com/office/thememl/2012/main" xmlns="" name="Office Theme" id="{62F939B6-93AF-4DB8-9C6B-D6C7DFDC589F}" vid="{4A3C46E8-61CC-4603-A589-7422A47A8E4A}"/>
     </a:ext>
   </a:extLst>
 </a:theme>
